--- a/Jarvis_PowerPoint.pptx
+++ b/Jarvis_PowerPoint.pptx
@@ -109,6 +109,11 @@
       </a:defRPr>
     </a:lvl9pPr>
   </p:defaultTextStyle>
+  <p:extLst>
+    <p:ext uri="{EFAFB233-063F-42B5-8137-9DF3F51BA10A}">
+      <p15:sldGuideLst xmlns:p15="http://schemas.microsoft.com/office/powerpoint/2012/main"/>
+    </p:ext>
+  </p:extLst>
 </p:presentation>
 </file>
 
@@ -259,7 +264,7 @@
           <a:p>
             <a:fld id="{6EDA216C-0E27-47AE-8A46-663B0D894624}" type="datetimeFigureOut">
               <a:rPr lang="en-US" smtClean="0"/>
-              <a:t>5/21/2018</a:t>
+              <a:t>5/22/2018</a:t>
             </a:fld>
             <a:endParaRPr lang="en-US"/>
           </a:p>
@@ -457,7 +462,7 @@
           <a:p>
             <a:fld id="{6EDA216C-0E27-47AE-8A46-663B0D894624}" type="datetimeFigureOut">
               <a:rPr lang="en-US" smtClean="0"/>
-              <a:t>5/21/2018</a:t>
+              <a:t>5/22/2018</a:t>
             </a:fld>
             <a:endParaRPr lang="en-US"/>
           </a:p>
@@ -665,7 +670,7 @@
           <a:p>
             <a:fld id="{6EDA216C-0E27-47AE-8A46-663B0D894624}" type="datetimeFigureOut">
               <a:rPr lang="en-US" smtClean="0"/>
-              <a:t>5/21/2018</a:t>
+              <a:t>5/22/2018</a:t>
             </a:fld>
             <a:endParaRPr lang="en-US"/>
           </a:p>
@@ -863,7 +868,7 @@
           <a:p>
             <a:fld id="{6EDA216C-0E27-47AE-8A46-663B0D894624}" type="datetimeFigureOut">
               <a:rPr lang="en-US" smtClean="0"/>
-              <a:t>5/21/2018</a:t>
+              <a:t>5/22/2018</a:t>
             </a:fld>
             <a:endParaRPr lang="en-US"/>
           </a:p>
@@ -1138,7 +1143,7 @@
           <a:p>
             <a:fld id="{6EDA216C-0E27-47AE-8A46-663B0D894624}" type="datetimeFigureOut">
               <a:rPr lang="en-US" smtClean="0"/>
-              <a:t>5/21/2018</a:t>
+              <a:t>5/22/2018</a:t>
             </a:fld>
             <a:endParaRPr lang="en-US"/>
           </a:p>
@@ -1403,7 +1408,7 @@
           <a:p>
             <a:fld id="{6EDA216C-0E27-47AE-8A46-663B0D894624}" type="datetimeFigureOut">
               <a:rPr lang="en-US" smtClean="0"/>
-              <a:t>5/21/2018</a:t>
+              <a:t>5/22/2018</a:t>
             </a:fld>
             <a:endParaRPr lang="en-US"/>
           </a:p>
@@ -1815,7 +1820,7 @@
           <a:p>
             <a:fld id="{6EDA216C-0E27-47AE-8A46-663B0D894624}" type="datetimeFigureOut">
               <a:rPr lang="en-US" smtClean="0"/>
-              <a:t>5/21/2018</a:t>
+              <a:t>5/22/2018</a:t>
             </a:fld>
             <a:endParaRPr lang="en-US"/>
           </a:p>
@@ -1956,7 +1961,7 @@
           <a:p>
             <a:fld id="{6EDA216C-0E27-47AE-8A46-663B0D894624}" type="datetimeFigureOut">
               <a:rPr lang="en-US" smtClean="0"/>
-              <a:t>5/21/2018</a:t>
+              <a:t>5/22/2018</a:t>
             </a:fld>
             <a:endParaRPr lang="en-US"/>
           </a:p>
@@ -2069,7 +2074,7 @@
           <a:p>
             <a:fld id="{6EDA216C-0E27-47AE-8A46-663B0D894624}" type="datetimeFigureOut">
               <a:rPr lang="en-US" smtClean="0"/>
-              <a:t>5/21/2018</a:t>
+              <a:t>5/22/2018</a:t>
             </a:fld>
             <a:endParaRPr lang="en-US"/>
           </a:p>
@@ -2380,7 +2385,7 @@
           <a:p>
             <a:fld id="{6EDA216C-0E27-47AE-8A46-663B0D894624}" type="datetimeFigureOut">
               <a:rPr lang="en-US" smtClean="0"/>
-              <a:t>5/21/2018</a:t>
+              <a:t>5/22/2018</a:t>
             </a:fld>
             <a:endParaRPr lang="en-US"/>
           </a:p>
@@ -2668,7 +2673,7 @@
           <a:p>
             <a:fld id="{6EDA216C-0E27-47AE-8A46-663B0D894624}" type="datetimeFigureOut">
               <a:rPr lang="en-US" smtClean="0"/>
-              <a:t>5/21/2018</a:t>
+              <a:t>5/22/2018</a:t>
             </a:fld>
             <a:endParaRPr lang="en-US"/>
           </a:p>
@@ -2918,7 +2923,7 @@
           <a:p>
             <a:fld id="{6EDA216C-0E27-47AE-8A46-663B0D894624}" type="datetimeFigureOut">
               <a:rPr lang="en-US" smtClean="0"/>
-              <a:t>5/21/2018</a:t>
+              <a:t>5/22/2018</a:t>
             </a:fld>
             <a:endParaRPr lang="en-US"/>
           </a:p>
@@ -3759,10 +3764,10 @@
       </p:sp>
       <p:pic>
         <p:nvPicPr>
-          <p:cNvPr id="5" name="Picture 4">
-            <a:extLst>
-              <a:ext uri="{FF2B5EF4-FFF2-40B4-BE49-F238E27FC236}">
-                <a16:creationId xmlns:a16="http://schemas.microsoft.com/office/drawing/2014/main" id="{A380B92F-0028-4F08-B8B8-191118929B11}"/>
+          <p:cNvPr id="6" name="Picture 5">
+            <a:extLst>
+              <a:ext uri="{FF2B5EF4-FFF2-40B4-BE49-F238E27FC236}">
+                <a16:creationId xmlns:a16="http://schemas.microsoft.com/office/drawing/2014/main" id="{0802A67F-9984-423E-8FF3-2386E003CADB}"/>
               </a:ext>
             </a:extLst>
           </p:cNvPr>
@@ -3785,8 +3790,8 @@
         </p:blipFill>
         <p:spPr>
           <a:xfrm>
-            <a:off x="6435215" y="3705477"/>
-            <a:ext cx="5527875" cy="2926817"/>
+            <a:off x="6800080" y="183838"/>
+            <a:ext cx="4697331" cy="2914300"/>
           </a:xfrm>
           <a:prstGeom prst="rect">
             <a:avLst/>
@@ -3795,10 +3800,10 @@
       </p:pic>
       <p:pic>
         <p:nvPicPr>
-          <p:cNvPr id="7" name="Picture 6">
-            <a:extLst>
-              <a:ext uri="{FF2B5EF4-FFF2-40B4-BE49-F238E27FC236}">
-                <a16:creationId xmlns:a16="http://schemas.microsoft.com/office/drawing/2014/main" id="{D55C1578-3730-4698-A4FA-98BC9D9DAF51}"/>
+          <p:cNvPr id="9" name="Picture 8">
+            <a:extLst>
+              <a:ext uri="{FF2B5EF4-FFF2-40B4-BE49-F238E27FC236}">
+                <a16:creationId xmlns:a16="http://schemas.microsoft.com/office/drawing/2014/main" id="{38F20B63-D5A1-4747-B866-E114623F9E97}"/>
               </a:ext>
             </a:extLst>
           </p:cNvPr>
@@ -3821,8 +3826,8 @@
         </p:blipFill>
         <p:spPr>
           <a:xfrm>
-            <a:off x="6991109" y="331770"/>
-            <a:ext cx="4362691" cy="3266708"/>
+            <a:off x="6497812" y="3293886"/>
+            <a:ext cx="5301868" cy="3467597"/>
           </a:xfrm>
           <a:prstGeom prst="rect">
             <a:avLst/>

--- a/Jarvis_PowerPoint.pptx
+++ b/Jarvis_PowerPoint.pptx
@@ -3611,6 +3611,18 @@
 <file path=ppt/slides/slide3.xml><?xml version="1.0" encoding="utf-8"?>
 <p:sld xmlns:a="http://schemas.openxmlformats.org/drawingml/2006/main" xmlns:r="http://schemas.openxmlformats.org/officeDocument/2006/relationships" xmlns:p="http://schemas.openxmlformats.org/presentationml/2006/main">
   <p:cSld>
+    <p:bg>
+      <p:bgPr>
+        <a:blipFill dpi="0" rotWithShape="1">
+          <a:blip r:embed="rId2">
+            <a:lum/>
+          </a:blip>
+          <a:srcRect/>
+          <a:tile tx="0" ty="0" sx="100000" sy="100000" flip="none" algn="tl"/>
+        </a:blipFill>
+        <a:effectLst/>
+      </p:bgPr>
+    </p:bg>
     <p:spTree>
       <p:nvGrpSpPr>
         <p:cNvPr id="1" name=""/>
@@ -3777,7 +3789,7 @@
           <p:nvPr/>
         </p:nvPicPr>
         <p:blipFill>
-          <a:blip r:embed="rId2">
+          <a:blip r:embed="rId3">
             <a:extLst>
               <a:ext uri="{28A0092B-C50C-407E-A947-70E740481C1C}">
                 <a14:useLocalDpi xmlns:a14="http://schemas.microsoft.com/office/drawing/2010/main" val="0"/>
@@ -3813,7 +3825,7 @@
           <p:nvPr/>
         </p:nvPicPr>
         <p:blipFill>
-          <a:blip r:embed="rId3">
+          <a:blip r:embed="rId4">
             <a:extLst>
               <a:ext uri="{28A0092B-C50C-407E-A947-70E740481C1C}">
                 <a14:useLocalDpi xmlns:a14="http://schemas.microsoft.com/office/drawing/2010/main" val="0"/>
@@ -4272,29 +4284,6 @@
               </a:rPr>
               <a:t>Add more features in the results:  maps, hotels, flights, ratings, etc.</a:t>
             </a:r>
-          </a:p>
-          <a:p>
-            <a:r>
-              <a:rPr lang="en-US" dirty="0">
-                <a:solidFill>
-                  <a:schemeClr val="bg1"/>
-                </a:solidFill>
-              </a:rPr>
-              <a:t>Show the user their </a:t>
-            </a:r>
-            <a:r>
-              <a:rPr lang="en-US">
-                <a:solidFill>
-                  <a:schemeClr val="bg1"/>
-                </a:solidFill>
-              </a:rPr>
-              <a:t>saved hospitals</a:t>
-            </a:r>
-            <a:endParaRPr lang="en-US" dirty="0">
-              <a:solidFill>
-                <a:schemeClr val="bg1"/>
-              </a:solidFill>
-            </a:endParaRPr>
           </a:p>
           <a:p>
             <a:r>
